--- a/weekly_report/group2/第8周汇报.pptx
+++ b/weekly_report/group2/第8周汇报.pptx
@@ -13,6 +13,12 @@
     <p:sldId id="269" r:id="rId7"/>
     <p:sldId id="270" r:id="rId8"/>
     <p:sldId id="271" r:id="rId9"/>
+    <p:sldId id="272" r:id="rId10"/>
+    <p:sldId id="273" r:id="rId11"/>
+    <p:sldId id="275" r:id="rId12"/>
+    <p:sldId id="276" r:id="rId13"/>
+    <p:sldId id="277" r:id="rId14"/>
+    <p:sldId id="274" r:id="rId15"/>
   </p:sldIdLst>
   <p:sldSz cx="12192000" cy="6858000"/>
   <p:notesSz cx="6858000" cy="9144000"/>
@@ -112,6 +118,32 @@
     </a:lvl9pPr>
   </p:defaultTextStyle>
   <p:extLst>
+    <p:ext uri="{521415D9-36F7-43E2-AB2F-B90AF26B5E84}">
+      <p14:sectionLst xmlns:p14="http://schemas.microsoft.com/office/powerpoint/2010/main">
+        <p14:section name="默认节" id="{67C7F87A-7471-4B5B-B00B-23021365C50C}">
+          <p14:sldIdLst>
+            <p14:sldId id="257"/>
+            <p14:sldId id="259"/>
+            <p14:sldId id="267"/>
+            <p14:sldId id="266"/>
+            <p14:sldId id="268"/>
+          </p14:sldIdLst>
+        </p14:section>
+        <p14:section name="出版物大纲" id="{F9B827CB-A646-456E-9427-9C3724A121D0}">
+          <p14:sldIdLst>
+            <p14:sldId id="269"/>
+            <p14:sldId id="270"/>
+            <p14:sldId id="271"/>
+            <p14:sldId id="272"/>
+            <p14:sldId id="273"/>
+            <p14:sldId id="275"/>
+            <p14:sldId id="276"/>
+            <p14:sldId id="277"/>
+            <p14:sldId id="274"/>
+          </p14:sldIdLst>
+        </p14:section>
+      </p14:sectionLst>
+    </p:ext>
     <p:ext uri="{EFAFB233-063F-42B5-8137-9DF3F51BA10A}">
       <p15:sldGuideLst xmlns:p15="http://schemas.microsoft.com/office/powerpoint/2012/main"/>
     </p:ext>
@@ -3433,6 +3465,601 @@
 </p:sld>
 </file>
 
+<file path=ppt/slides/slide10.xml><?xml version="1.0" encoding="utf-8"?>
+<p:sld xmlns:a="http://schemas.openxmlformats.org/drawingml/2006/main" xmlns:r="http://schemas.openxmlformats.org/officeDocument/2006/relationships" xmlns:p="http://schemas.openxmlformats.org/presentationml/2006/main">
+  <p:cSld>
+    <p:spTree>
+      <p:nvGrpSpPr>
+        <p:cNvPr id="1" name=""/>
+        <p:cNvGrpSpPr/>
+        <p:nvPr/>
+      </p:nvGrpSpPr>
+      <p:grpSpPr>
+        <a:xfrm>
+          <a:off x="0" y="0"/>
+          <a:ext cx="0" cy="0"/>
+          <a:chOff x="0" y="0"/>
+          <a:chExt cx="0" cy="0"/>
+        </a:xfrm>
+      </p:grpSpPr>
+      <p:sp>
+        <p:nvSpPr>
+          <p:cNvPr id="2" name="标题 1">
+            <a:extLst>
+              <a:ext uri="{FF2B5EF4-FFF2-40B4-BE49-F238E27FC236}">
+                <a16:creationId xmlns:a16="http://schemas.microsoft.com/office/drawing/2014/main" id="{B23C7290-C11F-4F1A-AC29-93F551413231}"/>
+              </a:ext>
+            </a:extLst>
+          </p:cNvPr>
+          <p:cNvSpPr>
+            <a:spLocks noGrp="1"/>
+          </p:cNvSpPr>
+          <p:nvPr>
+            <p:ph type="title"/>
+          </p:nvPr>
+        </p:nvSpPr>
+        <p:spPr/>
+        <p:txBody>
+          <a:bodyPr/>
+          <a:lstStyle/>
+          <a:p>
+            <a:r>
+              <a:rPr lang="en-US" altLang="zh-CN" dirty="0"/>
+              <a:t>Disambiguation</a:t>
+            </a:r>
+            <a:endParaRPr lang="zh-CN" altLang="en-US" dirty="0"/>
+          </a:p>
+        </p:txBody>
+      </p:sp>
+      <p:sp>
+        <p:nvSpPr>
+          <p:cNvPr id="3" name="内容占位符 2">
+            <a:extLst>
+              <a:ext uri="{FF2B5EF4-FFF2-40B4-BE49-F238E27FC236}">
+                <a16:creationId xmlns:a16="http://schemas.microsoft.com/office/drawing/2014/main" id="{A44DFFF4-6E50-4CF7-BDDE-204ABDB3550A}"/>
+              </a:ext>
+            </a:extLst>
+          </p:cNvPr>
+          <p:cNvSpPr>
+            <a:spLocks noGrp="1"/>
+          </p:cNvSpPr>
+          <p:nvPr>
+            <p:ph idx="1"/>
+          </p:nvPr>
+        </p:nvSpPr>
+        <p:spPr/>
+        <p:txBody>
+          <a:bodyPr/>
+          <a:lstStyle/>
+          <a:p>
+            <a:r>
+              <a:rPr lang="en-US" altLang="zh-CN" dirty="0"/>
+              <a:t>Instead of starting before the beginning token and returning after the ending token, our handlers have one-token offset. </a:t>
+            </a:r>
+          </a:p>
+          <a:p>
+            <a:endParaRPr lang="en-US" altLang="zh-CN" dirty="0"/>
+          </a:p>
+          <a:p>
+            <a:r>
+              <a:rPr lang="en-US" altLang="zh-CN" dirty="0"/>
+              <a:t>This helps disambiguate between “if” and “if-else”, as our handlers are able to read one token ahead to check if a “else” follows. </a:t>
+            </a:r>
+          </a:p>
+          <a:p>
+            <a:endParaRPr lang="en-US" altLang="zh-CN" dirty="0"/>
+          </a:p>
+          <a:p>
+            <a:r>
+              <a:rPr lang="en-US" altLang="zh-CN" dirty="0"/>
+              <a:t>This does not contradict the LL(0) rule, since tokenizer stores its last token until it advances to the next token.  </a:t>
+            </a:r>
+            <a:endParaRPr lang="zh-CN" altLang="en-US" dirty="0"/>
+          </a:p>
+        </p:txBody>
+      </p:sp>
+    </p:spTree>
+    <p:extLst>
+      <p:ext uri="{BB962C8B-B14F-4D97-AF65-F5344CB8AC3E}">
+        <p14:creationId xmlns:p14="http://schemas.microsoft.com/office/powerpoint/2010/main" val="340681431"/>
+      </p:ext>
+    </p:extLst>
+  </p:cSld>
+  <p:clrMapOvr>
+    <a:masterClrMapping/>
+  </p:clrMapOvr>
+</p:sld>
+</file>
+
+<file path=ppt/slides/slide11.xml><?xml version="1.0" encoding="utf-8"?>
+<p:sld xmlns:a="http://schemas.openxmlformats.org/drawingml/2006/main" xmlns:r="http://schemas.openxmlformats.org/officeDocument/2006/relationships" xmlns:p="http://schemas.openxmlformats.org/presentationml/2006/main">
+  <p:cSld>
+    <p:spTree>
+      <p:nvGrpSpPr>
+        <p:cNvPr id="1" name=""/>
+        <p:cNvGrpSpPr/>
+        <p:nvPr/>
+      </p:nvGrpSpPr>
+      <p:grpSpPr>
+        <a:xfrm>
+          <a:off x="0" y="0"/>
+          <a:ext cx="0" cy="0"/>
+          <a:chOff x="0" y="0"/>
+          <a:chExt cx="0" cy="0"/>
+        </a:xfrm>
+      </p:grpSpPr>
+      <p:sp>
+        <p:nvSpPr>
+          <p:cNvPr id="2" name="标题 1">
+            <a:extLst>
+              <a:ext uri="{FF2B5EF4-FFF2-40B4-BE49-F238E27FC236}">
+                <a16:creationId xmlns:a16="http://schemas.microsoft.com/office/drawing/2014/main" id="{E8BC2113-F3B4-4DFD-8697-8EF55782F81A}"/>
+              </a:ext>
+            </a:extLst>
+          </p:cNvPr>
+          <p:cNvSpPr>
+            <a:spLocks noGrp="1"/>
+          </p:cNvSpPr>
+          <p:nvPr>
+            <p:ph type="title"/>
+          </p:nvPr>
+        </p:nvSpPr>
+        <p:spPr/>
+        <p:txBody>
+          <a:bodyPr/>
+          <a:lstStyle/>
+          <a:p>
+            <a:r>
+              <a:rPr lang="en-US" altLang="zh-CN" dirty="0"/>
+              <a:t>Case Study: </a:t>
+            </a:r>
+            <a:r>
+              <a:rPr lang="en-US" altLang="zh-CN" dirty="0" err="1">
+                <a:solidFill>
+                  <a:srgbClr val="FF0000"/>
+                </a:solidFill>
+              </a:rPr>
+              <a:t>subroutineDec</a:t>
+            </a:r>
+            <a:endParaRPr lang="zh-CN" altLang="en-US" dirty="0">
+              <a:solidFill>
+                <a:srgbClr val="FF0000"/>
+              </a:solidFill>
+            </a:endParaRPr>
+          </a:p>
+        </p:txBody>
+      </p:sp>
+      <p:pic>
+        <p:nvPicPr>
+          <p:cNvPr id="4" name="内容占位符 3">
+            <a:extLst>
+              <a:ext uri="{FF2B5EF4-FFF2-40B4-BE49-F238E27FC236}">
+                <a16:creationId xmlns:a16="http://schemas.microsoft.com/office/drawing/2014/main" id="{084EBD7D-8C58-46DC-8ADD-3DFBC1ED0335}"/>
+              </a:ext>
+            </a:extLst>
+          </p:cNvPr>
+          <p:cNvPicPr>
+            <a:picLocks noGrp="1" noChangeAspect="1"/>
+          </p:cNvPicPr>
+          <p:nvPr>
+            <p:ph idx="1"/>
+          </p:nvPr>
+        </p:nvPicPr>
+        <p:blipFill>
+          <a:blip r:embed="rId2"/>
+          <a:stretch>
+            <a:fillRect/>
+          </a:stretch>
+        </p:blipFill>
+        <p:spPr>
+          <a:xfrm>
+            <a:off x="838200" y="1825625"/>
+            <a:ext cx="8154529" cy="4351338"/>
+          </a:xfrm>
+          <a:prstGeom prst="rect">
+            <a:avLst/>
+          </a:prstGeom>
+        </p:spPr>
+      </p:pic>
+      <p:pic>
+        <p:nvPicPr>
+          <p:cNvPr id="5" name="图片 4">
+            <a:extLst>
+              <a:ext uri="{FF2B5EF4-FFF2-40B4-BE49-F238E27FC236}">
+                <a16:creationId xmlns:a16="http://schemas.microsoft.com/office/drawing/2014/main" id="{0D0B6811-BB57-4B52-8D88-0F124918F729}"/>
+              </a:ext>
+            </a:extLst>
+          </p:cNvPr>
+          <p:cNvPicPr>
+            <a:picLocks noChangeAspect="1"/>
+          </p:cNvPicPr>
+          <p:nvPr/>
+        </p:nvPicPr>
+        <p:blipFill>
+          <a:blip r:embed="rId3"/>
+          <a:stretch>
+            <a:fillRect/>
+          </a:stretch>
+        </p:blipFill>
+        <p:spPr>
+          <a:xfrm>
+            <a:off x="7219110" y="5353610"/>
+            <a:ext cx="4793596" cy="1075636"/>
+          </a:xfrm>
+          <a:prstGeom prst="rect">
+            <a:avLst/>
+          </a:prstGeom>
+        </p:spPr>
+      </p:pic>
+    </p:spTree>
+    <p:extLst>
+      <p:ext uri="{BB962C8B-B14F-4D97-AF65-F5344CB8AC3E}">
+        <p14:creationId xmlns:p14="http://schemas.microsoft.com/office/powerpoint/2010/main" val="2833698008"/>
+      </p:ext>
+    </p:extLst>
+  </p:cSld>
+  <p:clrMapOvr>
+    <a:masterClrMapping/>
+  </p:clrMapOvr>
+</p:sld>
+</file>
+
+<file path=ppt/slides/slide12.xml><?xml version="1.0" encoding="utf-8"?>
+<p:sld xmlns:a="http://schemas.openxmlformats.org/drawingml/2006/main" xmlns:r="http://schemas.openxmlformats.org/officeDocument/2006/relationships" xmlns:p="http://schemas.openxmlformats.org/presentationml/2006/main">
+  <p:cSld>
+    <p:spTree>
+      <p:nvGrpSpPr>
+        <p:cNvPr id="1" name=""/>
+        <p:cNvGrpSpPr/>
+        <p:nvPr/>
+      </p:nvGrpSpPr>
+      <p:grpSpPr>
+        <a:xfrm>
+          <a:off x="0" y="0"/>
+          <a:ext cx="0" cy="0"/>
+          <a:chOff x="0" y="0"/>
+          <a:chExt cx="0" cy="0"/>
+        </a:xfrm>
+      </p:grpSpPr>
+      <p:sp>
+        <p:nvSpPr>
+          <p:cNvPr id="2" name="标题 1">
+            <a:extLst>
+              <a:ext uri="{FF2B5EF4-FFF2-40B4-BE49-F238E27FC236}">
+                <a16:creationId xmlns:a16="http://schemas.microsoft.com/office/drawing/2014/main" id="{7551081C-68F6-407A-9399-9735AE63A636}"/>
+              </a:ext>
+            </a:extLst>
+          </p:cNvPr>
+          <p:cNvSpPr>
+            <a:spLocks noGrp="1"/>
+          </p:cNvSpPr>
+          <p:nvPr>
+            <p:ph type="title"/>
+          </p:nvPr>
+        </p:nvSpPr>
+        <p:spPr/>
+        <p:txBody>
+          <a:bodyPr/>
+          <a:lstStyle/>
+          <a:p>
+            <a:r>
+              <a:rPr lang="en-US" altLang="zh-CN" dirty="0"/>
+              <a:t>Case Study: </a:t>
+            </a:r>
+            <a:r>
+              <a:rPr lang="en-US" altLang="zh-CN" dirty="0" err="1">
+                <a:solidFill>
+                  <a:srgbClr val="FF0000"/>
+                </a:solidFill>
+              </a:rPr>
+              <a:t>ifStatement</a:t>
+            </a:r>
+            <a:endParaRPr lang="zh-CN" altLang="en-US" dirty="0">
+              <a:solidFill>
+                <a:srgbClr val="FF0000"/>
+              </a:solidFill>
+            </a:endParaRPr>
+          </a:p>
+        </p:txBody>
+      </p:sp>
+      <p:sp>
+        <p:nvSpPr>
+          <p:cNvPr id="3" name="内容占位符 2">
+            <a:extLst>
+              <a:ext uri="{FF2B5EF4-FFF2-40B4-BE49-F238E27FC236}">
+                <a16:creationId xmlns:a16="http://schemas.microsoft.com/office/drawing/2014/main" id="{8D0E7791-B13C-4148-9E04-C6EFD7032492}"/>
+              </a:ext>
+            </a:extLst>
+          </p:cNvPr>
+          <p:cNvSpPr>
+            <a:spLocks noGrp="1"/>
+          </p:cNvSpPr>
+          <p:nvPr>
+            <p:ph idx="1"/>
+          </p:nvPr>
+        </p:nvSpPr>
+        <p:spPr/>
+        <p:txBody>
+          <a:bodyPr/>
+          <a:lstStyle/>
+          <a:p>
+            <a:endParaRPr lang="zh-CN" altLang="en-US"/>
+          </a:p>
+        </p:txBody>
+      </p:sp>
+      <p:pic>
+        <p:nvPicPr>
+          <p:cNvPr id="4" name="图片 3">
+            <a:extLst>
+              <a:ext uri="{FF2B5EF4-FFF2-40B4-BE49-F238E27FC236}">
+                <a16:creationId xmlns:a16="http://schemas.microsoft.com/office/drawing/2014/main" id="{ABC86542-0A2F-4612-8971-3F84BCA0D394}"/>
+              </a:ext>
+            </a:extLst>
+          </p:cNvPr>
+          <p:cNvPicPr>
+            <a:picLocks noChangeAspect="1"/>
+          </p:cNvPicPr>
+          <p:nvPr/>
+        </p:nvPicPr>
+        <p:blipFill>
+          <a:blip r:embed="rId2"/>
+          <a:stretch>
+            <a:fillRect/>
+          </a:stretch>
+        </p:blipFill>
+        <p:spPr>
+          <a:xfrm>
+            <a:off x="900953" y="1825625"/>
+            <a:ext cx="9601200" cy="4095750"/>
+          </a:xfrm>
+          <a:prstGeom prst="rect">
+            <a:avLst/>
+          </a:prstGeom>
+        </p:spPr>
+      </p:pic>
+    </p:spTree>
+    <p:extLst>
+      <p:ext uri="{BB962C8B-B14F-4D97-AF65-F5344CB8AC3E}">
+        <p14:creationId xmlns:p14="http://schemas.microsoft.com/office/powerpoint/2010/main" val="1037216743"/>
+      </p:ext>
+    </p:extLst>
+  </p:cSld>
+  <p:clrMapOvr>
+    <a:masterClrMapping/>
+  </p:clrMapOvr>
+</p:sld>
+</file>
+
+<file path=ppt/slides/slide13.xml><?xml version="1.0" encoding="utf-8"?>
+<p:sld xmlns:a="http://schemas.openxmlformats.org/drawingml/2006/main" xmlns:r="http://schemas.openxmlformats.org/officeDocument/2006/relationships" xmlns:p="http://schemas.openxmlformats.org/presentationml/2006/main">
+  <p:cSld>
+    <p:spTree>
+      <p:nvGrpSpPr>
+        <p:cNvPr id="1" name=""/>
+        <p:cNvGrpSpPr/>
+        <p:nvPr/>
+      </p:nvGrpSpPr>
+      <p:grpSpPr>
+        <a:xfrm>
+          <a:off x="0" y="0"/>
+          <a:ext cx="0" cy="0"/>
+          <a:chOff x="0" y="0"/>
+          <a:chExt cx="0" cy="0"/>
+        </a:xfrm>
+      </p:grpSpPr>
+      <p:sp>
+        <p:nvSpPr>
+          <p:cNvPr id="2" name="标题 1">
+            <a:extLst>
+              <a:ext uri="{FF2B5EF4-FFF2-40B4-BE49-F238E27FC236}">
+                <a16:creationId xmlns:a16="http://schemas.microsoft.com/office/drawing/2014/main" id="{D5004957-6766-44F4-84DE-AC26BB89834C}"/>
+              </a:ext>
+            </a:extLst>
+          </p:cNvPr>
+          <p:cNvSpPr>
+            <a:spLocks noGrp="1"/>
+          </p:cNvSpPr>
+          <p:nvPr>
+            <p:ph type="title"/>
+          </p:nvPr>
+        </p:nvSpPr>
+        <p:spPr/>
+        <p:txBody>
+          <a:bodyPr/>
+          <a:lstStyle/>
+          <a:p>
+            <a:r>
+              <a:rPr lang="en-US" altLang="zh-CN" dirty="0"/>
+              <a:t>Case Study: </a:t>
+            </a:r>
+            <a:r>
+              <a:rPr lang="en-US" altLang="zh-CN" dirty="0">
+                <a:solidFill>
+                  <a:srgbClr val="FF0000"/>
+                </a:solidFill>
+              </a:rPr>
+              <a:t>term</a:t>
+            </a:r>
+            <a:endParaRPr lang="zh-CN" altLang="en-US" dirty="0">
+              <a:solidFill>
+                <a:srgbClr val="FF0000"/>
+              </a:solidFill>
+            </a:endParaRPr>
+          </a:p>
+        </p:txBody>
+      </p:sp>
+      <p:pic>
+        <p:nvPicPr>
+          <p:cNvPr id="4" name="内容占位符 3">
+            <a:extLst>
+              <a:ext uri="{FF2B5EF4-FFF2-40B4-BE49-F238E27FC236}">
+                <a16:creationId xmlns:a16="http://schemas.microsoft.com/office/drawing/2014/main" id="{3D553AE5-8B4F-413B-A80B-3D909BDBAE09}"/>
+              </a:ext>
+            </a:extLst>
+          </p:cNvPr>
+          <p:cNvPicPr>
+            <a:picLocks noGrp="1" noChangeAspect="1"/>
+          </p:cNvPicPr>
+          <p:nvPr>
+            <p:ph idx="1"/>
+          </p:nvPr>
+        </p:nvPicPr>
+        <p:blipFill>
+          <a:blip r:embed="rId2"/>
+          <a:stretch>
+            <a:fillRect/>
+          </a:stretch>
+        </p:blipFill>
+        <p:spPr>
+          <a:xfrm>
+            <a:off x="838200" y="1938551"/>
+            <a:ext cx="10515600" cy="4125485"/>
+          </a:xfrm>
+          <a:prstGeom prst="rect">
+            <a:avLst/>
+          </a:prstGeom>
+        </p:spPr>
+      </p:pic>
+    </p:spTree>
+    <p:extLst>
+      <p:ext uri="{BB962C8B-B14F-4D97-AF65-F5344CB8AC3E}">
+        <p14:creationId xmlns:p14="http://schemas.microsoft.com/office/powerpoint/2010/main" val="1562068255"/>
+      </p:ext>
+    </p:extLst>
+  </p:cSld>
+  <p:clrMapOvr>
+    <a:masterClrMapping/>
+  </p:clrMapOvr>
+</p:sld>
+</file>
+
+<file path=ppt/slides/slide14.xml><?xml version="1.0" encoding="utf-8"?>
+<p:sld xmlns:a="http://schemas.openxmlformats.org/drawingml/2006/main" xmlns:r="http://schemas.openxmlformats.org/officeDocument/2006/relationships" xmlns:p="http://schemas.openxmlformats.org/presentationml/2006/main">
+  <p:cSld>
+    <p:spTree>
+      <p:nvGrpSpPr>
+        <p:cNvPr id="1" name=""/>
+        <p:cNvGrpSpPr/>
+        <p:nvPr/>
+      </p:nvGrpSpPr>
+      <p:grpSpPr>
+        <a:xfrm>
+          <a:off x="0" y="0"/>
+          <a:ext cx="0" cy="0"/>
+          <a:chOff x="0" y="0"/>
+          <a:chExt cx="0" cy="0"/>
+        </a:xfrm>
+      </p:grpSpPr>
+      <p:sp>
+        <p:nvSpPr>
+          <p:cNvPr id="2" name="标题 1">
+            <a:extLst>
+              <a:ext uri="{FF2B5EF4-FFF2-40B4-BE49-F238E27FC236}">
+                <a16:creationId xmlns:a16="http://schemas.microsoft.com/office/drawing/2014/main" id="{AE4807B0-1E6A-4BB0-B100-07C8AC5BC19C}"/>
+              </a:ext>
+            </a:extLst>
+          </p:cNvPr>
+          <p:cNvSpPr>
+            <a:spLocks noGrp="1"/>
+          </p:cNvSpPr>
+          <p:nvPr>
+            <p:ph type="title"/>
+          </p:nvPr>
+        </p:nvSpPr>
+        <p:spPr/>
+        <p:txBody>
+          <a:bodyPr/>
+          <a:lstStyle/>
+          <a:p>
+            <a:r>
+              <a:rPr lang="en-US" altLang="zh-CN" dirty="0"/>
+              <a:t>Comments</a:t>
+            </a:r>
+            <a:endParaRPr lang="zh-CN" altLang="en-US" dirty="0"/>
+          </a:p>
+        </p:txBody>
+      </p:sp>
+      <p:sp>
+        <p:nvSpPr>
+          <p:cNvPr id="3" name="内容占位符 2">
+            <a:extLst>
+              <a:ext uri="{FF2B5EF4-FFF2-40B4-BE49-F238E27FC236}">
+                <a16:creationId xmlns:a16="http://schemas.microsoft.com/office/drawing/2014/main" id="{40C56E9F-9F4F-4D0A-A5D2-98945076841F}"/>
+              </a:ext>
+            </a:extLst>
+          </p:cNvPr>
+          <p:cNvSpPr>
+            <a:spLocks noGrp="1"/>
+          </p:cNvSpPr>
+          <p:nvPr>
+            <p:ph idx="1"/>
+          </p:nvPr>
+        </p:nvSpPr>
+        <p:spPr/>
+        <p:txBody>
+          <a:bodyPr/>
+          <a:lstStyle/>
+          <a:p>
+            <a:r>
+              <a:rPr lang="en-US" altLang="zh-CN" dirty="0"/>
+              <a:t>Another group use </a:t>
+            </a:r>
+            <a:r>
+              <a:rPr lang="en-US" altLang="zh-CN" dirty="0" err="1"/>
+              <a:t>RegEx</a:t>
+            </a:r>
+            <a:r>
+              <a:rPr lang="en-US" altLang="zh-CN" dirty="0"/>
+              <a:t>-based tools, such as Lex</a:t>
+            </a:r>
+          </a:p>
+          <a:p>
+            <a:pPr lvl="1"/>
+            <a:r>
+              <a:rPr lang="en-US" altLang="zh-CN" dirty="0"/>
+              <a:t>Functional programming</a:t>
+            </a:r>
+          </a:p>
+          <a:p>
+            <a:r>
+              <a:rPr lang="en-US" altLang="zh-CN" dirty="0"/>
+              <a:t>We use process oriented programming plus a bit of OOP</a:t>
+            </a:r>
+          </a:p>
+          <a:p>
+            <a:pPr lvl="1"/>
+            <a:r>
+              <a:rPr lang="en-US" altLang="zh-CN" dirty="0"/>
+              <a:t>Power of Top-down recursion</a:t>
+            </a:r>
+          </a:p>
+          <a:p>
+            <a:endParaRPr lang="en-US" altLang="zh-CN" dirty="0"/>
+          </a:p>
+          <a:p>
+            <a:r>
+              <a:rPr lang="en-US" altLang="zh-CN" dirty="0"/>
+              <a:t>One problem, various approaches</a:t>
+            </a:r>
+          </a:p>
+          <a:p>
+            <a:endParaRPr lang="zh-CN" altLang="en-US" dirty="0"/>
+          </a:p>
+        </p:txBody>
+      </p:sp>
+    </p:spTree>
+    <p:extLst>
+      <p:ext uri="{BB962C8B-B14F-4D97-AF65-F5344CB8AC3E}">
+        <p14:creationId xmlns:p14="http://schemas.microsoft.com/office/powerpoint/2010/main" val="4003064705"/>
+      </p:ext>
+    </p:extLst>
+  </p:cSld>
+  <p:clrMapOvr>
+    <a:masterClrMapping/>
+  </p:clrMapOvr>
+</p:sld>
+</file>
+
 <file path=ppt/slides/slide2.xml><?xml version="1.0" encoding="utf-8"?>
 <p:sld xmlns:a="http://schemas.openxmlformats.org/drawingml/2006/main" xmlns:r="http://schemas.openxmlformats.org/officeDocument/2006/relationships" xmlns:p="http://schemas.openxmlformats.org/presentationml/2006/main">
   <p:cSld>
@@ -5019,38 +5646,6 @@
               </a:rPr>
               <a:t>Syntax tree</a:t>
             </a:r>
-            <a:r>
-              <a:rPr lang="zh-CN" altLang="en-US" b="1" dirty="0">
-                <a:solidFill>
-                  <a:srgbClr val="FF0000"/>
-                </a:solidFill>
-              </a:rPr>
-              <a:t> </a:t>
-            </a:r>
-            <a:r>
-              <a:rPr lang="en-US" altLang="zh-CN" b="1" dirty="0">
-                <a:solidFill>
-                  <a:srgbClr val="FF0000"/>
-                </a:solidFill>
-              </a:rPr>
-              <a:t>(</a:t>
-            </a:r>
-            <a:r>
-              <a:rPr lang="zh-CN" altLang="en-US" b="1" dirty="0">
-                <a:solidFill>
-                  <a:srgbClr val="FF0000"/>
-                </a:solidFill>
-              </a:rPr>
-              <a:t>完成</a:t>
-            </a:r>
-            <a:r>
-              <a:rPr lang="en-US" altLang="zh-CN" b="1" dirty="0">
-                <a:solidFill>
-                  <a:srgbClr val="FF0000"/>
-                </a:solidFill>
-              </a:rPr>
-              <a:t>)</a:t>
-            </a:r>
           </a:p>
           <a:p>
             <a:pPr lvl="1"/>
@@ -5660,8 +6255,8 @@
           </a:p>
         </p:txBody>
       </p:sp>
-      <mc:AlternateContent xmlns:mc="http://schemas.openxmlformats.org/markup-compatibility/2006">
-        <mc:Choice xmlns:a14="http://schemas.microsoft.com/office/drawing/2010/main" Requires="a14">
+      <mc:AlternateContent xmlns:mc="http://schemas.openxmlformats.org/markup-compatibility/2006" xmlns:a14="http://schemas.microsoft.com/office/drawing/2010/main">
+        <mc:Choice Requires="a14">
           <p:sp>
             <p:nvSpPr>
               <p:cNvPr id="4" name="文本框 3">
@@ -5690,6 +6285,7 @@
               </a:bodyPr>
               <a:lstStyle/>
               <a:p>
+                <a:pPr/>
                 <a14:m>
                   <m:oMathPara xmlns:m="http://schemas.openxmlformats.org/officeDocument/2006/math">
                     <m:oMathParaPr>
@@ -5758,7 +6354,7 @@
             </p:txBody>
           </p:sp>
         </mc:Choice>
-        <mc:Fallback>
+        <mc:Fallback xmlns="">
           <p:sp>
             <p:nvSpPr>
               <p:cNvPr id="4" name="文本框 3">
@@ -5803,8 +6399,8 @@
           </p:sp>
         </mc:Fallback>
       </mc:AlternateContent>
-      <mc:AlternateContent xmlns:mc="http://schemas.openxmlformats.org/markup-compatibility/2006">
-        <mc:Choice xmlns:a14="http://schemas.microsoft.com/office/drawing/2010/main" Requires="a14">
+      <mc:AlternateContent xmlns:mc="http://schemas.openxmlformats.org/markup-compatibility/2006" xmlns:a14="http://schemas.microsoft.com/office/drawing/2010/main">
+        <mc:Choice Requires="a14">
           <p:sp>
             <p:nvSpPr>
               <p:cNvPr id="5" name="文本框 4">
@@ -5833,6 +6429,7 @@
               </a:bodyPr>
               <a:lstStyle/>
               <a:p>
+                <a:pPr/>
                 <a14:m>
                   <m:oMathPara xmlns:m="http://schemas.openxmlformats.org/officeDocument/2006/math">
                     <m:oMathParaPr>
@@ -5883,7 +6480,7 @@
             </p:txBody>
           </p:sp>
         </mc:Choice>
-        <mc:Fallback>
+        <mc:Fallback xmlns="">
           <p:sp>
             <p:nvSpPr>
               <p:cNvPr id="5" name="文本框 4">
@@ -7803,6 +8400,323 @@
     <p:extLst>
       <p:ext uri="{BB962C8B-B14F-4D97-AF65-F5344CB8AC3E}">
         <p14:creationId xmlns:p14="http://schemas.microsoft.com/office/powerpoint/2010/main" val="2052798798"/>
+      </p:ext>
+    </p:extLst>
+  </p:cSld>
+  <p:clrMapOvr>
+    <a:masterClrMapping/>
+  </p:clrMapOvr>
+</p:sld>
+</file>
+
+<file path=ppt/slides/slide9.xml><?xml version="1.0" encoding="utf-8"?>
+<p:sld xmlns:a="http://schemas.openxmlformats.org/drawingml/2006/main" xmlns:r="http://schemas.openxmlformats.org/officeDocument/2006/relationships" xmlns:p="http://schemas.openxmlformats.org/presentationml/2006/main">
+  <p:cSld>
+    <p:spTree>
+      <p:nvGrpSpPr>
+        <p:cNvPr id="1" name=""/>
+        <p:cNvGrpSpPr/>
+        <p:nvPr/>
+      </p:nvGrpSpPr>
+      <p:grpSpPr>
+        <a:xfrm>
+          <a:off x="0" y="0"/>
+          <a:ext cx="0" cy="0"/>
+          <a:chOff x="0" y="0"/>
+          <a:chExt cx="0" cy="0"/>
+        </a:xfrm>
+      </p:grpSpPr>
+      <p:sp>
+        <p:nvSpPr>
+          <p:cNvPr id="2" name="标题 1">
+            <a:extLst>
+              <a:ext uri="{FF2B5EF4-FFF2-40B4-BE49-F238E27FC236}">
+                <a16:creationId xmlns:a16="http://schemas.microsoft.com/office/drawing/2014/main" id="{E20868F6-0737-478B-8C36-ECDB4CBE8276}"/>
+              </a:ext>
+            </a:extLst>
+          </p:cNvPr>
+          <p:cNvSpPr>
+            <a:spLocks noGrp="1"/>
+          </p:cNvSpPr>
+          <p:nvPr>
+            <p:ph type="title"/>
+          </p:nvPr>
+        </p:nvSpPr>
+        <p:spPr/>
+        <p:txBody>
+          <a:bodyPr/>
+          <a:lstStyle/>
+          <a:p>
+            <a:r>
+              <a:rPr lang="en-US" altLang="zh-CN" dirty="0"/>
+              <a:t>Design Analyzer Module by Contrast</a:t>
+            </a:r>
+            <a:endParaRPr lang="zh-CN" altLang="en-US" dirty="0"/>
+          </a:p>
+        </p:txBody>
+      </p:sp>
+      <p:sp>
+        <p:nvSpPr>
+          <p:cNvPr id="3" name="内容占位符 2">
+            <a:extLst>
+              <a:ext uri="{FF2B5EF4-FFF2-40B4-BE49-F238E27FC236}">
+                <a16:creationId xmlns:a16="http://schemas.microsoft.com/office/drawing/2014/main" id="{72ED887A-97C2-4DCB-B3DA-19499DCD638B}"/>
+              </a:ext>
+            </a:extLst>
+          </p:cNvPr>
+          <p:cNvSpPr>
+            <a:spLocks noGrp="1"/>
+          </p:cNvSpPr>
+          <p:nvPr>
+            <p:ph idx="1"/>
+          </p:nvPr>
+        </p:nvSpPr>
+        <p:spPr/>
+        <p:txBody>
+          <a:bodyPr/>
+          <a:lstStyle/>
+          <a:p>
+            <a:r>
+              <a:rPr lang="en-US" altLang="zh-CN" dirty="0"/>
+              <a:t>What is design by contract?</a:t>
+            </a:r>
+          </a:p>
+          <a:p>
+            <a:endParaRPr lang="en-US" altLang="zh-CN" dirty="0"/>
+          </a:p>
+          <a:p>
+            <a:r>
+              <a:rPr lang="en-US" altLang="zh-CN" dirty="0"/>
+              <a:t>Top-down Recursive Analyzer</a:t>
+            </a:r>
+          </a:p>
+          <a:p>
+            <a:pPr lvl="1"/>
+            <a:r>
+              <a:rPr lang="en-US" altLang="zh-CN" dirty="0"/>
+              <a:t>Assume that each handler starts right after the beginning token</a:t>
+            </a:r>
+          </a:p>
+          <a:p>
+            <a:pPr lvl="1"/>
+            <a:r>
+              <a:rPr lang="en-US" altLang="zh-CN" dirty="0"/>
+              <a:t>Each handler returns right after the token following the ending token</a:t>
+            </a:r>
+          </a:p>
+          <a:p>
+            <a:endParaRPr lang="zh-CN" altLang="en-US" dirty="0"/>
+          </a:p>
+        </p:txBody>
+      </p:sp>
+      <p:pic>
+        <p:nvPicPr>
+          <p:cNvPr id="5" name="图片 4">
+            <a:extLst>
+              <a:ext uri="{FF2B5EF4-FFF2-40B4-BE49-F238E27FC236}">
+                <a16:creationId xmlns:a16="http://schemas.microsoft.com/office/drawing/2014/main" id="{87753F79-FEBD-42CC-87E5-B0846F7D54C4}"/>
+              </a:ext>
+            </a:extLst>
+          </p:cNvPr>
+          <p:cNvPicPr>
+            <a:picLocks noChangeAspect="1"/>
+          </p:cNvPicPr>
+          <p:nvPr/>
+        </p:nvPicPr>
+        <p:blipFill>
+          <a:blip r:embed="rId2"/>
+          <a:stretch>
+            <a:fillRect/>
+          </a:stretch>
+        </p:blipFill>
+        <p:spPr>
+          <a:xfrm>
+            <a:off x="2422459" y="4997450"/>
+            <a:ext cx="5219700" cy="1495425"/>
+          </a:xfrm>
+          <a:prstGeom prst="rect">
+            <a:avLst/>
+          </a:prstGeom>
+        </p:spPr>
+      </p:pic>
+      <p:cxnSp>
+        <p:nvCxnSpPr>
+          <p:cNvPr id="7" name="直接箭头连接符 6">
+            <a:extLst>
+              <a:ext uri="{FF2B5EF4-FFF2-40B4-BE49-F238E27FC236}">
+                <a16:creationId xmlns:a16="http://schemas.microsoft.com/office/drawing/2014/main" id="{C8C1B9C4-9D72-479A-A57D-11F39E1F2253}"/>
+              </a:ext>
+            </a:extLst>
+          </p:cNvPr>
+          <p:cNvCxnSpPr/>
+          <p:nvPr/>
+        </p:nvCxnSpPr>
+        <p:spPr>
+          <a:xfrm>
+            <a:off x="3583322" y="4682871"/>
+            <a:ext cx="0" cy="475861"/>
+          </a:xfrm>
+          <a:prstGeom prst="straightConnector1">
+            <a:avLst/>
+          </a:prstGeom>
+          <a:ln w="76200">
+            <a:solidFill>
+              <a:srgbClr val="FF0000"/>
+            </a:solidFill>
+            <a:tailEnd type="triangle"/>
+          </a:ln>
+        </p:spPr>
+        <p:style>
+          <a:lnRef idx="1">
+            <a:schemeClr val="accent1"/>
+          </a:lnRef>
+          <a:fillRef idx="0">
+            <a:schemeClr val="accent1"/>
+          </a:fillRef>
+          <a:effectRef idx="0">
+            <a:schemeClr val="accent1"/>
+          </a:effectRef>
+          <a:fontRef idx="minor">
+            <a:schemeClr val="tx1"/>
+          </a:fontRef>
+        </p:style>
+      </p:cxnSp>
+      <p:cxnSp>
+        <p:nvCxnSpPr>
+          <p:cNvPr id="8" name="直接箭头连接符 7">
+            <a:extLst>
+              <a:ext uri="{FF2B5EF4-FFF2-40B4-BE49-F238E27FC236}">
+                <a16:creationId xmlns:a16="http://schemas.microsoft.com/office/drawing/2014/main" id="{7A136503-35CC-46B9-A2A0-2F714B389528}"/>
+              </a:ext>
+            </a:extLst>
+          </p:cNvPr>
+          <p:cNvCxnSpPr/>
+          <p:nvPr/>
+        </p:nvCxnSpPr>
+        <p:spPr>
+          <a:xfrm>
+            <a:off x="3430922" y="5558018"/>
+            <a:ext cx="0" cy="475861"/>
+          </a:xfrm>
+          <a:prstGeom prst="straightConnector1">
+            <a:avLst/>
+          </a:prstGeom>
+          <a:ln w="76200">
+            <a:solidFill>
+              <a:srgbClr val="FF0000"/>
+            </a:solidFill>
+            <a:tailEnd type="triangle"/>
+          </a:ln>
+        </p:spPr>
+        <p:style>
+          <a:lnRef idx="1">
+            <a:schemeClr val="accent1"/>
+          </a:lnRef>
+          <a:fillRef idx="0">
+            <a:schemeClr val="accent1"/>
+          </a:fillRef>
+          <a:effectRef idx="0">
+            <a:schemeClr val="accent1"/>
+          </a:effectRef>
+          <a:fontRef idx="minor">
+            <a:schemeClr val="tx1"/>
+          </a:fontRef>
+        </p:style>
+      </p:cxnSp>
+      <p:sp>
+        <p:nvSpPr>
+          <p:cNvPr id="11" name="文本框 10">
+            <a:extLst>
+              <a:ext uri="{FF2B5EF4-FFF2-40B4-BE49-F238E27FC236}">
+                <a16:creationId xmlns:a16="http://schemas.microsoft.com/office/drawing/2014/main" id="{7E89F997-B008-48A3-ADCC-42FEA84A34F5}"/>
+              </a:ext>
+            </a:extLst>
+          </p:cNvPr>
+          <p:cNvSpPr txBox="1"/>
+          <p:nvPr/>
+        </p:nvSpPr>
+        <p:spPr>
+          <a:xfrm>
+            <a:off x="3684493" y="4383741"/>
+            <a:ext cx="7288306" cy="369332"/>
+          </a:xfrm>
+          <a:prstGeom prst="rect">
+            <a:avLst/>
+          </a:prstGeom>
+          <a:noFill/>
+        </p:spPr>
+        <p:txBody>
+          <a:bodyPr wrap="square" rtlCol="0">
+            <a:spAutoFit/>
+          </a:bodyPr>
+          <a:lstStyle/>
+          <a:p>
+            <a:r>
+              <a:rPr lang="en-US" altLang="zh-CN" dirty="0"/>
+              <a:t>The tokenizer is assumed here when a “</a:t>
+            </a:r>
+            <a:r>
+              <a:rPr lang="en-US" altLang="zh-CN" dirty="0" err="1"/>
+              <a:t>whileStatement</a:t>
+            </a:r>
+            <a:r>
+              <a:rPr lang="en-US" altLang="zh-CN" dirty="0"/>
+              <a:t>” handler starts. </a:t>
+            </a:r>
+            <a:endParaRPr lang="zh-CN" altLang="en-US" dirty="0"/>
+          </a:p>
+        </p:txBody>
+      </p:sp>
+      <p:sp>
+        <p:nvSpPr>
+          <p:cNvPr id="12" name="文本框 11">
+            <a:extLst>
+              <a:ext uri="{FF2B5EF4-FFF2-40B4-BE49-F238E27FC236}">
+                <a16:creationId xmlns:a16="http://schemas.microsoft.com/office/drawing/2014/main" id="{6870AE0F-C3B3-4127-A836-3889B889D79F}"/>
+              </a:ext>
+            </a:extLst>
+          </p:cNvPr>
+          <p:cNvSpPr txBox="1"/>
+          <p:nvPr/>
+        </p:nvSpPr>
+        <p:spPr>
+          <a:xfrm>
+            <a:off x="3998006" y="5745162"/>
+            <a:ext cx="7288306" cy="369332"/>
+          </a:xfrm>
+          <a:prstGeom prst="rect">
+            <a:avLst/>
+          </a:prstGeom>
+          <a:solidFill>
+            <a:schemeClr val="bg1"/>
+          </a:solidFill>
+        </p:spPr>
+        <p:txBody>
+          <a:bodyPr wrap="square" rtlCol="0">
+            <a:spAutoFit/>
+          </a:bodyPr>
+          <a:lstStyle/>
+          <a:p>
+            <a:r>
+              <a:rPr lang="en-US" altLang="zh-CN" dirty="0"/>
+              <a:t>The tokenizer is assumed here when a “</a:t>
+            </a:r>
+            <a:r>
+              <a:rPr lang="en-US" altLang="zh-CN" dirty="0" err="1"/>
+              <a:t>whileStatement</a:t>
+            </a:r>
+            <a:r>
+              <a:rPr lang="en-US" altLang="zh-CN" dirty="0"/>
+              <a:t>” handler returns. </a:t>
+            </a:r>
+            <a:endParaRPr lang="zh-CN" altLang="en-US" dirty="0"/>
+          </a:p>
+        </p:txBody>
+      </p:sp>
+    </p:spTree>
+    <p:extLst>
+      <p:ext uri="{BB962C8B-B14F-4D97-AF65-F5344CB8AC3E}">
+        <p14:creationId xmlns:p14="http://schemas.microsoft.com/office/powerpoint/2010/main" val="1115580567"/>
       </p:ext>
     </p:extLst>
   </p:cSld>
